--- a/diapositivas/08_evaluacion_rubrica.pptx
+++ b/diapositivas/08_evaluacion_rubrica.pptx
@@ -6,45 +6,46 @@
     <p:sldMasterId id="2147483669" r:id="rId5"/>
   </p:sldMasterIdLst>
   <p:notesMasterIdLst>
-    <p:notesMasterId r:id="rId10"/>
+    <p:notesMasterId r:id="rId11"/>
   </p:notesMasterIdLst>
   <p:handoutMasterIdLst>
-    <p:handoutMasterId r:id="rId11"/>
+    <p:handoutMasterId r:id="rId12"/>
   </p:handoutMasterIdLst>
   <p:sldIdLst>
     <p:sldId id="2147482333" r:id="rId6"/>
     <p:sldId id="2147482352" r:id="rId7"/>
     <p:sldId id="2147482353" r:id="rId8"/>
     <p:sldId id="2147482351" r:id="rId9"/>
+    <p:sldId id="2147482354" r:id="rId10"/>
   </p:sldIdLst>
   <p:sldSz cx="12190413" cy="6859588"/>
   <p:notesSz cx="6858000" cy="9144000"/>
   <p:embeddedFontLst>
     <p:embeddedFont>
       <p:font typeface="Open Sans" pitchFamily="2" charset="0"/>
-      <p:regular r:id="rId12"/>
-      <p:bold r:id="rId13"/>
-      <p:italic r:id="rId14"/>
-      <p:boldItalic r:id="rId15"/>
+      <p:regular r:id="rId13"/>
+      <p:bold r:id="rId14"/>
+      <p:italic r:id="rId15"/>
+      <p:boldItalic r:id="rId16"/>
     </p:embeddedFont>
     <p:embeddedFont>
       <p:font typeface="Open Sans Light" pitchFamily="2" charset="0"/>
-      <p:regular r:id="rId16"/>
-      <p:italic r:id="rId17"/>
+      <p:regular r:id="rId17"/>
+      <p:italic r:id="rId18"/>
     </p:embeddedFont>
     <p:embeddedFont>
       <p:font typeface="Open Sans SemiBold" pitchFamily="2" charset="0"/>
-      <p:bold r:id="rId18"/>
-      <p:boldItalic r:id="rId19"/>
+      <p:bold r:id="rId19"/>
+      <p:boldItalic r:id="rId20"/>
     </p:embeddedFont>
     <p:embeddedFont>
       <p:font typeface="Roboto Light" panose="02000000000000000000" pitchFamily="2" charset="0"/>
-      <p:regular r:id="rId20"/>
-      <p:italic r:id="rId21"/>
+      <p:regular r:id="rId21"/>
+      <p:italic r:id="rId22"/>
     </p:embeddedFont>
   </p:embeddedFontLst>
   <p:custDataLst>
-    <p:tags r:id="rId22"/>
+    <p:tags r:id="rId23"/>
   </p:custDataLst>
   <p:defaultTextStyle>
     <a:defPPr>
@@ -180,6 +181,7 @@
             <p14:sldId id="2147482352"/>
             <p14:sldId id="2147482353"/>
             <p14:sldId id="2147482351"/>
+            <p14:sldId id="2147482354"/>
           </p14:sldIdLst>
         </p14:section>
       </p14:sectionLst>
@@ -6625,14 +6627,14 @@
           <a:effectLst/>
           <a:extLst>
             <a:ext uri="{909E8E84-426E-40dd-AFC4-6F175D3DCCD1}">
-              <a14:hiddenFill xmlns="" xmlns:p14="http://schemas.microsoft.com/office/powerpoint/2010/main" xmlns:a14="http://schemas.microsoft.com/office/drawing/2010/main">
+              <a14:hiddenFill xmlns:a14="http://schemas.microsoft.com/office/drawing/2010/main" xmlns:p14="http://schemas.microsoft.com/office/powerpoint/2010/main" xmlns="">
                 <a:solidFill>
                   <a:srgbClr val="FFFFFF"/>
                 </a:solidFill>
               </a14:hiddenFill>
             </a:ext>
             <a:ext uri="{91240B29-F687-4f45-9708-019B960494DF}">
-              <a14:hiddenLine xmlns="" xmlns:p14="http://schemas.microsoft.com/office/powerpoint/2010/main" xmlns:a14="http://schemas.microsoft.com/office/drawing/2010/main" w="9525">
+              <a14:hiddenLine xmlns:a14="http://schemas.microsoft.com/office/drawing/2010/main" xmlns:p14="http://schemas.microsoft.com/office/powerpoint/2010/main" xmlns="" w="9525">
                 <a:solidFill>
                   <a:srgbClr val="000000"/>
                 </a:solidFill>
@@ -6642,7 +6644,7 @@
               </a14:hiddenLine>
             </a:ext>
             <a:ext uri="{AF507438-7753-43e0-B8FC-AC1667EBCBE1}">
-              <a14:hiddenEffects xmlns="" xmlns:p14="http://schemas.microsoft.com/office/powerpoint/2010/main" xmlns:a14="http://schemas.microsoft.com/office/drawing/2010/main">
+              <a14:hiddenEffects xmlns:a14="http://schemas.microsoft.com/office/drawing/2010/main" xmlns:p14="http://schemas.microsoft.com/office/powerpoint/2010/main" xmlns="">
                 <a:effectLst>
                   <a:outerShdw blurRad="63500" dist="38099" dir="2700000" algn="ctr" rotWithShape="0">
                     <a:srgbClr val="000000">
@@ -9349,6 +9351,136 @@
     <p:extLst>
       <p:ext uri="{BB962C8B-B14F-4D97-AF65-F5344CB8AC3E}">
         <p14:creationId xmlns:p14="http://schemas.microsoft.com/office/powerpoint/2010/main" val="3486202562"/>
+      </p:ext>
+    </p:extLst>
+  </p:cSld>
+  <p:clrMapOvr>
+    <a:masterClrMapping/>
+  </p:clrMapOvr>
+</p:sld>
+</file>
+
+<file path=ppt/slides/slide5.xml><?xml version="1.0" encoding="utf-8"?>
+<p:sld xmlns:a="http://schemas.openxmlformats.org/drawingml/2006/main" xmlns:r="http://schemas.openxmlformats.org/officeDocument/2006/relationships" xmlns:p="http://schemas.openxmlformats.org/presentationml/2006/main">
+  <p:cSld>
+    <p:spTree>
+      <p:nvGrpSpPr>
+        <p:cNvPr id="1" name=""/>
+        <p:cNvGrpSpPr/>
+        <p:nvPr/>
+      </p:nvGrpSpPr>
+      <p:grpSpPr>
+        <a:xfrm>
+          <a:off x="0" y="0"/>
+          <a:ext cx="0" cy="0"/>
+          <a:chOff x="0" y="0"/>
+          <a:chExt cx="0" cy="0"/>
+        </a:xfrm>
+      </p:grpSpPr>
+      <p:sp>
+        <p:nvSpPr>
+          <p:cNvPr id="2" name="Title 1">
+            <a:extLst>
+              <a:ext uri="{FF2B5EF4-FFF2-40B4-BE49-F238E27FC236}">
+                <a16:creationId xmlns:a16="http://schemas.microsoft.com/office/drawing/2014/main" id="{ADB6BAD0-A8F9-7900-80B5-1E48E4DA1849}"/>
+              </a:ext>
+            </a:extLst>
+          </p:cNvPr>
+          <p:cNvSpPr>
+            <a:spLocks noGrp="1"/>
+          </p:cNvSpPr>
+          <p:nvPr>
+            <p:ph type="title"/>
+          </p:nvPr>
+        </p:nvSpPr>
+        <p:spPr/>
+        <p:txBody>
+          <a:bodyPr/>
+          <a:lstStyle/>
+          <a:p>
+            <a:r>
+              <a:rPr lang="es-EC" dirty="0"/>
+              <a:t>Retroalimentación del modulo de datos</a:t>
+            </a:r>
+          </a:p>
+        </p:txBody>
+      </p:sp>
+      <p:sp>
+        <p:nvSpPr>
+          <p:cNvPr id="5" name="TextBox 4">
+            <a:extLst>
+              <a:ext uri="{FF2B5EF4-FFF2-40B4-BE49-F238E27FC236}">
+                <a16:creationId xmlns:a16="http://schemas.microsoft.com/office/drawing/2014/main" id="{A7286234-A46C-12DD-F546-8B5AEE788D07}"/>
+              </a:ext>
+            </a:extLst>
+          </p:cNvPr>
+          <p:cNvSpPr txBox="1"/>
+          <p:nvPr/>
+        </p:nvSpPr>
+        <p:spPr>
+          <a:xfrm>
+            <a:off x="1384405" y="3605802"/>
+            <a:ext cx="9421602" cy="646331"/>
+          </a:xfrm>
+          <a:prstGeom prst="rect">
+            <a:avLst/>
+          </a:prstGeom>
+          <a:noFill/>
+        </p:spPr>
+        <p:txBody>
+          <a:bodyPr wrap="square">
+            <a:spAutoFit/>
+          </a:bodyPr>
+          <a:lstStyle/>
+          <a:p>
+            <a:r>
+              <a:rPr lang="es-EC" sz="3600" b="1" dirty="0">
+                <a:solidFill>
+                  <a:schemeClr val="accent6"/>
+                </a:solidFill>
+                <a:latin typeface="Open Sans" pitchFamily="2" charset="0"/>
+                <a:ea typeface="Open Sans" pitchFamily="2" charset="0"/>
+                <a:cs typeface="Open Sans" pitchFamily="2" charset="0"/>
+              </a:rPr>
+              <a:t>https://forms.gle/DEkKb99GN1VRGBGX6</a:t>
+            </a:r>
+          </a:p>
+        </p:txBody>
+      </p:sp>
+      <p:pic>
+        <p:nvPicPr>
+          <p:cNvPr id="7" name="Picture 6">
+            <a:extLst>
+              <a:ext uri="{FF2B5EF4-FFF2-40B4-BE49-F238E27FC236}">
+                <a16:creationId xmlns:a16="http://schemas.microsoft.com/office/drawing/2014/main" id="{5C4DDE44-81A1-CFE6-ECC0-C4C1B845FC1B}"/>
+              </a:ext>
+            </a:extLst>
+          </p:cNvPr>
+          <p:cNvPicPr>
+            <a:picLocks noChangeAspect="1"/>
+          </p:cNvPicPr>
+          <p:nvPr/>
+        </p:nvPicPr>
+        <p:blipFill>
+          <a:blip r:embed="rId2"/>
+          <a:stretch>
+            <a:fillRect/>
+          </a:stretch>
+        </p:blipFill>
+        <p:spPr>
+          <a:xfrm>
+            <a:off x="1002679" y="1397459"/>
+            <a:ext cx="10185054" cy="1800612"/>
+          </a:xfrm>
+          <a:prstGeom prst="rect">
+            <a:avLst/>
+          </a:prstGeom>
+        </p:spPr>
+      </p:pic>
+    </p:spTree>
+    <p:extLst>
+      <p:ext uri="{BB962C8B-B14F-4D97-AF65-F5344CB8AC3E}">
+        <p14:creationId xmlns:p14="http://schemas.microsoft.com/office/powerpoint/2010/main" val="3757414700"/>
       </p:ext>
     </p:extLst>
   </p:cSld>
@@ -11768,15 +11900,6 @@
 </file>
 
 <file path=customXml/item1.xml><?xml version="1.0" encoding="utf-8"?>
-<?mso-contentType ?>
-<FormTemplates xmlns="http://schemas.microsoft.com/sharepoint/v3/contenttype/forms">
-  <Display>DocumentLibraryForm</Display>
-  <Edit>DocumentLibraryForm</Edit>
-  <New>DocumentLibraryForm</New>
-</FormTemplates>
-</file>
-
-<file path=customXml/item2.xml><?xml version="1.0" encoding="utf-8"?>
 <ct:contentTypeSchema xmlns:ct="http://schemas.microsoft.com/office/2006/metadata/contentType" xmlns:ma="http://schemas.microsoft.com/office/2006/metadata/properties/metaAttributes" ct:_="" ma:_="" ma:contentTypeName="Document" ma:contentTypeID="0x010100C7031F1B99BD28479046B99E0BB1DD4F" ma:contentTypeVersion="14" ma:contentTypeDescription="Create a new document." ma:contentTypeScope="" ma:versionID="a13c93741b2e1e67f0a2721f11a4b9f3">
   <xsd:schema xmlns:xsd="http://www.w3.org/2001/XMLSchema" xmlns:xs="http://www.w3.org/2001/XMLSchema" xmlns:p="http://schemas.microsoft.com/office/2006/metadata/properties" xmlns:ns2="bb607934-979d-426f-bc8c-1c62ad83e693" xmlns:ns3="0ac69bb8-fd78-49e3-b5a4-9113b319d7ac" targetNamespace="http://schemas.microsoft.com/office/2006/metadata/properties" ma:root="true" ma:fieldsID="4508705b441b207914442563c2876aea" ns2:_="" ns3:_="">
     <xsd:import namespace="bb607934-979d-426f-bc8c-1c62ad83e693"/>
@@ -11999,6 +12122,15 @@
 </ct:contentTypeSchema>
 </file>
 
+<file path=customXml/item2.xml><?xml version="1.0" encoding="utf-8"?>
+<?mso-contentType ?>
+<FormTemplates xmlns="http://schemas.microsoft.com/sharepoint/v3/contenttype/forms">
+  <Display>DocumentLibraryForm</Display>
+  <Edit>DocumentLibraryForm</Edit>
+  <New>DocumentLibraryForm</New>
+</FormTemplates>
+</file>
+
 <file path=customXml/item3.xml><?xml version="1.0" encoding="utf-8"?>
 <p:properties xmlns:p="http://schemas.microsoft.com/office/2006/metadata/properties" xmlns:xsi="http://www.w3.org/2001/XMLSchema-instance" xmlns:pc="http://schemas.microsoft.com/office/infopath/2007/PartnerControls">
   <documentManagement>
@@ -12010,14 +12142,6 @@
 </file>
 
 <file path=customXml/itemProps1.xml><?xml version="1.0" encoding="utf-8"?>
-<ds:datastoreItem xmlns:ds="http://schemas.openxmlformats.org/officeDocument/2006/customXml" ds:itemID="{9BC5AAAE-4105-4A71-B833-FE7031C25711}">
-  <ds:schemaRefs>
-    <ds:schemaRef ds:uri="http://schemas.microsoft.com/sharepoint/v3/contenttype/forms"/>
-  </ds:schemaRefs>
-</ds:datastoreItem>
-</file>
-
-<file path=customXml/itemProps2.xml><?xml version="1.0" encoding="utf-8"?>
 <ds:datastoreItem xmlns:ds="http://schemas.openxmlformats.org/officeDocument/2006/customXml" ds:itemID="{27873921-D00C-45F6-B7F4-402035C71E3D}">
   <ds:schemaRefs>
     <ds:schemaRef ds:uri="0ac69bb8-fd78-49e3-b5a4-9113b319d7ac"/>
@@ -12036,6 +12160,14 @@
 </ds:datastoreItem>
 </file>
 
+<file path=customXml/itemProps2.xml><?xml version="1.0" encoding="utf-8"?>
+<ds:datastoreItem xmlns:ds="http://schemas.openxmlformats.org/officeDocument/2006/customXml" ds:itemID="{9BC5AAAE-4105-4A71-B833-FE7031C25711}">
+  <ds:schemaRefs>
+    <ds:schemaRef ds:uri="http://schemas.microsoft.com/sharepoint/v3/contenttype/forms"/>
+  </ds:schemaRefs>
+</ds:datastoreItem>
+</file>
+
 <file path=customXml/itemProps3.xml><?xml version="1.0" encoding="utf-8"?>
 <ds:datastoreItem xmlns:ds="http://schemas.openxmlformats.org/officeDocument/2006/customXml" ds:itemID="{257000C0-7051-43B6-A407-D81F70861508}">
   <ds:schemaRefs>
